--- a/01 - Курсовые проекты/2022-2023 - Разработка библиотеки функций на языке Python, реализующей автоматизированное построение динамических GUI/Презентация по курсовому проекту.pptx
+++ b/01 - Курсовые проекты/2022-2023 - Разработка библиотеки функций на языке Python, реализующей автоматизированное построение динамических GUI/Презентация по курсовому проекту.pptx
@@ -3020,20 +3020,12 @@
               <a:t>Разработка библиотеки функций на языке Python, реализующей автоматизированное построение динамических графических пользовательских интерфейсов в рамках CMS </a:t>
             </a:r>
             <a:r>
-              <a:rPr lang="ru-RU" sz="4400" dirty="0" err="1">
+              <a:rPr lang="ru-RU" sz="4400">
                 <a:solidFill>
                   <a:schemeClr val="accent2"/>
                 </a:solidFill>
               </a:rPr>
               <a:t>Django</a:t>
-            </a:r>
-            <a:r>
-              <a:rPr lang="ru-RU" sz="4400" dirty="0">
-                <a:solidFill>
-                  <a:schemeClr val="accent2"/>
-                </a:solidFill>
-              </a:rPr>
-              <a:t>.</a:t>
             </a:r>
             <a:endParaRPr lang="ru-RU" sz="4400" b="1" dirty="0">
               <a:solidFill>

--- a/01 - Курсовые проекты/2022-2023 - Разработка библиотеки функций на языке Python, реализующей автоматизированное построение динамических GUI/Презентация по курсовому проекту.pptx
+++ b/01 - Курсовые проекты/2022-2023 - Разработка библиотеки функций на языке Python, реализующей автоматизированное построение динамических GUI/Презентация по курсовому проекту.pptx
@@ -253,7 +253,7 @@
           <a:p>
             <a:fld id="{90A83CE5-5250-419C-9667-09D8782B6356}" type="datetimeFigureOut">
               <a:rPr lang="ru-RU" smtClean="0"/>
-              <a:t>18.01.2023</a:t>
+              <a:t>19.01.2023</a:t>
             </a:fld>
             <a:endParaRPr lang="ru-RU"/>
           </a:p>
@@ -423,7 +423,7 @@
           <a:p>
             <a:fld id="{90A83CE5-5250-419C-9667-09D8782B6356}" type="datetimeFigureOut">
               <a:rPr lang="ru-RU" smtClean="0"/>
-              <a:t>18.01.2023</a:t>
+              <a:t>19.01.2023</a:t>
             </a:fld>
             <a:endParaRPr lang="ru-RU"/>
           </a:p>
@@ -603,7 +603,7 @@
           <a:p>
             <a:fld id="{90A83CE5-5250-419C-9667-09D8782B6356}" type="datetimeFigureOut">
               <a:rPr lang="ru-RU" smtClean="0"/>
-              <a:t>18.01.2023</a:t>
+              <a:t>19.01.2023</a:t>
             </a:fld>
             <a:endParaRPr lang="ru-RU"/>
           </a:p>
@@ -773,7 +773,7 @@
           <a:p>
             <a:fld id="{90A83CE5-5250-419C-9667-09D8782B6356}" type="datetimeFigureOut">
               <a:rPr lang="ru-RU" smtClean="0"/>
-              <a:t>18.01.2023</a:t>
+              <a:t>19.01.2023</a:t>
             </a:fld>
             <a:endParaRPr lang="ru-RU"/>
           </a:p>
@@ -1019,7 +1019,7 @@
           <a:p>
             <a:fld id="{90A83CE5-5250-419C-9667-09D8782B6356}" type="datetimeFigureOut">
               <a:rPr lang="ru-RU" smtClean="0"/>
-              <a:t>18.01.2023</a:t>
+              <a:t>19.01.2023</a:t>
             </a:fld>
             <a:endParaRPr lang="ru-RU"/>
           </a:p>
@@ -1251,7 +1251,7 @@
           <a:p>
             <a:fld id="{90A83CE5-5250-419C-9667-09D8782B6356}" type="datetimeFigureOut">
               <a:rPr lang="ru-RU" smtClean="0"/>
-              <a:t>18.01.2023</a:t>
+              <a:t>19.01.2023</a:t>
             </a:fld>
             <a:endParaRPr lang="ru-RU"/>
           </a:p>
@@ -1618,7 +1618,7 @@
           <a:p>
             <a:fld id="{90A83CE5-5250-419C-9667-09D8782B6356}" type="datetimeFigureOut">
               <a:rPr lang="ru-RU" smtClean="0"/>
-              <a:t>18.01.2023</a:t>
+              <a:t>19.01.2023</a:t>
             </a:fld>
             <a:endParaRPr lang="ru-RU"/>
           </a:p>
@@ -1736,7 +1736,7 @@
           <a:p>
             <a:fld id="{90A83CE5-5250-419C-9667-09D8782B6356}" type="datetimeFigureOut">
               <a:rPr lang="ru-RU" smtClean="0"/>
-              <a:t>18.01.2023</a:t>
+              <a:t>19.01.2023</a:t>
             </a:fld>
             <a:endParaRPr lang="ru-RU"/>
           </a:p>
@@ -1831,7 +1831,7 @@
           <a:p>
             <a:fld id="{90A83CE5-5250-419C-9667-09D8782B6356}" type="datetimeFigureOut">
               <a:rPr lang="ru-RU" smtClean="0"/>
-              <a:t>18.01.2023</a:t>
+              <a:t>19.01.2023</a:t>
             </a:fld>
             <a:endParaRPr lang="ru-RU"/>
           </a:p>
@@ -2108,7 +2108,7 @@
           <a:p>
             <a:fld id="{90A83CE5-5250-419C-9667-09D8782B6356}" type="datetimeFigureOut">
               <a:rPr lang="ru-RU" smtClean="0"/>
-              <a:t>18.01.2023</a:t>
+              <a:t>19.01.2023</a:t>
             </a:fld>
             <a:endParaRPr lang="ru-RU"/>
           </a:p>
@@ -2365,7 +2365,7 @@
           <a:p>
             <a:fld id="{90A83CE5-5250-419C-9667-09D8782B6356}" type="datetimeFigureOut">
               <a:rPr lang="ru-RU" smtClean="0"/>
-              <a:t>18.01.2023</a:t>
+              <a:t>19.01.2023</a:t>
             </a:fld>
             <a:endParaRPr lang="ru-RU"/>
           </a:p>
@@ -2578,7 +2578,7 @@
           <a:p>
             <a:fld id="{90A83CE5-5250-419C-9667-09D8782B6356}" type="datetimeFigureOut">
               <a:rPr lang="ru-RU" smtClean="0"/>
-              <a:t>18.01.2023</a:t>
+              <a:t>19.01.2023</a:t>
             </a:fld>
             <a:endParaRPr lang="ru-RU"/>
           </a:p>
@@ -6409,7 +6409,7 @@
           </p:cNvPicPr>
           <p:nvPr/>
         </p:nvPicPr>
-        <p:blipFill>
+        <p:blipFill rotWithShape="1">
           <a:blip r:embed="rId3">
             <a:extLst>
               <a:ext uri="{28A0092B-C50C-407E-A947-70E740481C1C}">
@@ -6417,14 +6417,48 @@
               </a:ext>
             </a:extLst>
           </a:blip>
-          <a:stretch>
-            <a:fillRect/>
-          </a:stretch>
+          <a:srcRect r="1683"/>
+          <a:stretch/>
         </p:blipFill>
         <p:spPr>
           <a:xfrm>
-            <a:off x="5522495" y="2278306"/>
-            <a:ext cx="6444462" cy="4423457"/>
+            <a:off x="296828" y="2434109"/>
+            <a:ext cx="5900083" cy="4119147"/>
+          </a:xfrm>
+          <a:prstGeom prst="rect">
+            <a:avLst/>
+          </a:prstGeom>
+        </p:spPr>
+      </p:pic>
+      <p:pic>
+        <p:nvPicPr>
+          <p:cNvPr id="6" name="Рисунок 5">
+            <a:extLst>
+              <a:ext uri="{FF2B5EF4-FFF2-40B4-BE49-F238E27FC236}">
+                <a16:creationId xmlns:a16="http://schemas.microsoft.com/office/drawing/2014/main" id="{51B6B1D6-A733-5B75-DC9A-970E71DDAC36}"/>
+              </a:ext>
+            </a:extLst>
+          </p:cNvPr>
+          <p:cNvPicPr>
+            <a:picLocks noChangeAspect="1"/>
+          </p:cNvPicPr>
+          <p:nvPr/>
+        </p:nvPicPr>
+        <p:blipFill rotWithShape="1">
+          <a:blip r:embed="rId4">
+            <a:extLst>
+              <a:ext uri="{28A0092B-C50C-407E-A947-70E740481C1C}">
+                <a14:useLocalDpi xmlns:a14="http://schemas.microsoft.com/office/drawing/2010/main" val="0"/>
+              </a:ext>
+            </a:extLst>
+          </a:blip>
+          <a:srcRect r="5671"/>
+          <a:stretch/>
+        </p:blipFill>
+        <p:spPr>
+          <a:xfrm>
+            <a:off x="6616972" y="2165769"/>
+            <a:ext cx="5482791" cy="2028995"/>
           </a:xfrm>
           <a:prstGeom prst="rect">
             <a:avLst/>

--- a/01 - Курсовые проекты/2022-2023 - Разработка библиотеки функций на языке Python, реализующей автоматизированное построение динамических GUI/Презентация по курсовому проекту.pptx
+++ b/01 - Курсовые проекты/2022-2023 - Разработка библиотеки функций на языке Python, реализующей автоматизированное построение динамических GUI/Презентация по курсовому проекту.pptx
@@ -253,7 +253,7 @@
           <a:p>
             <a:fld id="{90A83CE5-5250-419C-9667-09D8782B6356}" type="datetimeFigureOut">
               <a:rPr lang="ru-RU" smtClean="0"/>
-              <a:t>19.01.2023</a:t>
+              <a:t>20.01.2023</a:t>
             </a:fld>
             <a:endParaRPr lang="ru-RU"/>
           </a:p>
@@ -423,7 +423,7 @@
           <a:p>
             <a:fld id="{90A83CE5-5250-419C-9667-09D8782B6356}" type="datetimeFigureOut">
               <a:rPr lang="ru-RU" smtClean="0"/>
-              <a:t>19.01.2023</a:t>
+              <a:t>20.01.2023</a:t>
             </a:fld>
             <a:endParaRPr lang="ru-RU"/>
           </a:p>
@@ -603,7 +603,7 @@
           <a:p>
             <a:fld id="{90A83CE5-5250-419C-9667-09D8782B6356}" type="datetimeFigureOut">
               <a:rPr lang="ru-RU" smtClean="0"/>
-              <a:t>19.01.2023</a:t>
+              <a:t>20.01.2023</a:t>
             </a:fld>
             <a:endParaRPr lang="ru-RU"/>
           </a:p>
@@ -773,7 +773,7 @@
           <a:p>
             <a:fld id="{90A83CE5-5250-419C-9667-09D8782B6356}" type="datetimeFigureOut">
               <a:rPr lang="ru-RU" smtClean="0"/>
-              <a:t>19.01.2023</a:t>
+              <a:t>20.01.2023</a:t>
             </a:fld>
             <a:endParaRPr lang="ru-RU"/>
           </a:p>
@@ -1019,7 +1019,7 @@
           <a:p>
             <a:fld id="{90A83CE5-5250-419C-9667-09D8782B6356}" type="datetimeFigureOut">
               <a:rPr lang="ru-RU" smtClean="0"/>
-              <a:t>19.01.2023</a:t>
+              <a:t>20.01.2023</a:t>
             </a:fld>
             <a:endParaRPr lang="ru-RU"/>
           </a:p>
@@ -1251,7 +1251,7 @@
           <a:p>
             <a:fld id="{90A83CE5-5250-419C-9667-09D8782B6356}" type="datetimeFigureOut">
               <a:rPr lang="ru-RU" smtClean="0"/>
-              <a:t>19.01.2023</a:t>
+              <a:t>20.01.2023</a:t>
             </a:fld>
             <a:endParaRPr lang="ru-RU"/>
           </a:p>
@@ -1618,7 +1618,7 @@
           <a:p>
             <a:fld id="{90A83CE5-5250-419C-9667-09D8782B6356}" type="datetimeFigureOut">
               <a:rPr lang="ru-RU" smtClean="0"/>
-              <a:t>19.01.2023</a:t>
+              <a:t>20.01.2023</a:t>
             </a:fld>
             <a:endParaRPr lang="ru-RU"/>
           </a:p>
@@ -1736,7 +1736,7 @@
           <a:p>
             <a:fld id="{90A83CE5-5250-419C-9667-09D8782B6356}" type="datetimeFigureOut">
               <a:rPr lang="ru-RU" smtClean="0"/>
-              <a:t>19.01.2023</a:t>
+              <a:t>20.01.2023</a:t>
             </a:fld>
             <a:endParaRPr lang="ru-RU"/>
           </a:p>
@@ -1831,7 +1831,7 @@
           <a:p>
             <a:fld id="{90A83CE5-5250-419C-9667-09D8782B6356}" type="datetimeFigureOut">
               <a:rPr lang="ru-RU" smtClean="0"/>
-              <a:t>19.01.2023</a:t>
+              <a:t>20.01.2023</a:t>
             </a:fld>
             <a:endParaRPr lang="ru-RU"/>
           </a:p>
@@ -2108,7 +2108,7 @@
           <a:p>
             <a:fld id="{90A83CE5-5250-419C-9667-09D8782B6356}" type="datetimeFigureOut">
               <a:rPr lang="ru-RU" smtClean="0"/>
-              <a:t>19.01.2023</a:t>
+              <a:t>20.01.2023</a:t>
             </a:fld>
             <a:endParaRPr lang="ru-RU"/>
           </a:p>
@@ -2365,7 +2365,7 @@
           <a:p>
             <a:fld id="{90A83CE5-5250-419C-9667-09D8782B6356}" type="datetimeFigureOut">
               <a:rPr lang="ru-RU" smtClean="0"/>
-              <a:t>19.01.2023</a:t>
+              <a:t>20.01.2023</a:t>
             </a:fld>
             <a:endParaRPr lang="ru-RU"/>
           </a:p>
@@ -2578,7 +2578,7 @@
           <a:p>
             <a:fld id="{90A83CE5-5250-419C-9667-09D8782B6356}" type="datetimeFigureOut">
               <a:rPr lang="ru-RU" smtClean="0"/>
-              <a:t>19.01.2023</a:t>
+              <a:t>20.01.2023</a:t>
             </a:fld>
             <a:endParaRPr lang="ru-RU"/>
           </a:p>
@@ -4513,7 +4513,7 @@
         <p:spPr>
           <a:xfrm>
             <a:off x="346591" y="1717283"/>
-            <a:ext cx="6638927" cy="2585323"/>
+            <a:ext cx="6638927" cy="2862322"/>
           </a:xfrm>
           <a:prstGeom prst="rect">
             <a:avLst/>
@@ -4531,7 +4531,16 @@
               <a:rPr lang="ru-RU" b="0" dirty="0">
                 <a:effectLst/>
               </a:rPr>
-              <a:t>	Пользователю предоставляется некий набор операций. Операция имеет название, исходные данные и результаты. Пользователь решает, какую из операций необходимо выбрать в данный момент, и задает для нее исходные данные. После чего ЭВМ выполняет указанную операцию, активируя соответствующие функции приложения, и выдаёт результаты операции пользователю.</a:t>
+              <a:t>	Пользователю предоставляется набор операций. Операция имеет название, исходные данные и результаты. Пользователь решает, какую из операций необходимо выбрать, и задает для нее исходные данные. После чего ЭВМ выполняет указанную операцию, активируя соответствующие функции приложения, и выдаёт результаты операции пользователю. И этот процесс продолжается </a:t>
+            </a:r>
+            <a:r>
+              <a:rPr lang="ru-RU" sz="1800" dirty="0">
+                <a:effectLst/>
+                <a:latin typeface="Calibri" panose="020F0502020204030204" pitchFamily="34" charset="0"/>
+                <a:ea typeface="Calibri" panose="020F0502020204030204" pitchFamily="34" charset="0"/>
+                <a:cs typeface="Times New Roman" panose="02020603050405020304" pitchFamily="18" charset="0"/>
+              </a:rPr>
+              <a:t>до тех пор, пока не будет достигнут желаемый результат.</a:t>
             </a:r>
             <a:endParaRPr lang="ru-RU" dirty="0"/>
           </a:p>
@@ -4945,7 +4954,7 @@
         <p:spPr>
           <a:xfrm>
             <a:off x="346591" y="1717283"/>
-            <a:ext cx="7250711" cy="3139321"/>
+            <a:ext cx="7250711" cy="3693319"/>
           </a:xfrm>
           <a:prstGeom prst="rect">
             <a:avLst/>
@@ -4963,7 +4972,16 @@
               <a:rPr lang="ru-RU" b="0" dirty="0">
                 <a:effectLst/>
               </a:rPr>
-              <a:t>Направляющий метод взаимодействия “пользователь-ЭВМ” состоит из следующих основных этапов:</a:t>
+              <a:t>	Основой направляющего метода является DT-модель (модель диалоговой транзакции).</a:t>
+            </a:r>
+          </a:p>
+          <a:p>
+            <a:pPr algn="just"/>
+            <a:r>
+              <a:rPr lang="ru-RU" b="0" dirty="0">
+                <a:effectLst/>
+              </a:rPr>
+              <a:t>	Направляющий метод взаимодействия “пользователь-ЭВМ” состоит из следующих основных этапов:</a:t>
             </a:r>
             <a:endParaRPr lang="en-US" b="0" dirty="0">
               <a:effectLst/>
@@ -5117,7 +5135,7 @@
         <p:spPr>
           <a:xfrm>
             <a:off x="346590" y="1503570"/>
-            <a:ext cx="5820745" cy="3970318"/>
+            <a:ext cx="5859657" cy="3970318"/>
           </a:xfrm>
           <a:prstGeom prst="rect">
             <a:avLst/>
